--- a/ppt 16-9/0841.愿作一粒种子.pptx
+++ b/ppt 16-9/0841.愿作一粒种子.pptx
@@ -5,7 +5,7 @@
     <p:sldMasterId id="2147483648" r:id="rId1"/>
   </p:sldMasterIdLst>
   <p:sldIdLst>
-    <p:sldId id="2133" r:id="rId2"/>
+    <p:sldId id="2135" r:id="rId2"/>
   </p:sldIdLst>
   <p:sldSz cx="12192000" cy="6858000"/>
   <p:notesSz cx="6858000" cy="9144000"/>
@@ -129,7 +129,7 @@
           <p:cNvPr id="2" name="标题 1">
             <a:extLst>
               <a:ext uri="{FF2B5EF4-FFF2-40B4-BE49-F238E27FC236}">
-                <a16:creationId xmlns:a16="http://schemas.microsoft.com/office/drawing/2014/main" id="{4FA25B8F-908E-D10F-6AD7-B9FE3216FBA7}"/>
+                <a16:creationId xmlns:a16="http://schemas.microsoft.com/office/drawing/2014/main" id="{47A15B99-EA8C-50EF-149C-66EE06F80F47}"/>
               </a:ext>
             </a:extLst>
           </p:cNvPr>
@@ -166,7 +166,7 @@
           <p:cNvPr id="3" name="副标题 2">
             <a:extLst>
               <a:ext uri="{FF2B5EF4-FFF2-40B4-BE49-F238E27FC236}">
-                <a16:creationId xmlns:a16="http://schemas.microsoft.com/office/drawing/2014/main" id="{D9289F8C-8C8E-152F-5499-385494D476EF}"/>
+                <a16:creationId xmlns:a16="http://schemas.microsoft.com/office/drawing/2014/main" id="{6B372CB3-0E92-7066-4633-815D977386D6}"/>
               </a:ext>
             </a:extLst>
           </p:cNvPr>
@@ -236,7 +236,7 @@
           <p:cNvPr id="4" name="日期占位符 3">
             <a:extLst>
               <a:ext uri="{FF2B5EF4-FFF2-40B4-BE49-F238E27FC236}">
-                <a16:creationId xmlns:a16="http://schemas.microsoft.com/office/drawing/2014/main" id="{F4F8C879-CF92-43B7-83C7-6567D6BDB722}"/>
+                <a16:creationId xmlns:a16="http://schemas.microsoft.com/office/drawing/2014/main" id="{F1A81FD2-5086-6BAF-D2F4-8A30E85C7A4A}"/>
               </a:ext>
             </a:extLst>
           </p:cNvPr>
@@ -252,7 +252,7 @@
           <a:bodyPr/>
           <a:lstStyle/>
           <a:p>
-            <a:fld id="{14E4C636-8014-4832-B202-AAFF68144FAA}" type="datetimeFigureOut">
+            <a:fld id="{7023F3E0-93A9-47A7-8858-4E82FBCA80BB}" type="datetimeFigureOut">
               <a:rPr lang="zh-CN" altLang="en-US" smtClean="0"/>
               <a:t>2024/3/10</a:t>
             </a:fld>
@@ -265,7 +265,7 @@
           <p:cNvPr id="5" name="页脚占位符 4">
             <a:extLst>
               <a:ext uri="{FF2B5EF4-FFF2-40B4-BE49-F238E27FC236}">
-                <a16:creationId xmlns:a16="http://schemas.microsoft.com/office/drawing/2014/main" id="{B5A21178-6127-351D-D9A3-F9A16D4E1E30}"/>
+                <a16:creationId xmlns:a16="http://schemas.microsoft.com/office/drawing/2014/main" id="{A6007B06-75DF-02CA-DFC1-6BBCDF1A4CE7}"/>
               </a:ext>
             </a:extLst>
           </p:cNvPr>
@@ -290,7 +290,7 @@
           <p:cNvPr id="6" name="灯片编号占位符 5">
             <a:extLst>
               <a:ext uri="{FF2B5EF4-FFF2-40B4-BE49-F238E27FC236}">
-                <a16:creationId xmlns:a16="http://schemas.microsoft.com/office/drawing/2014/main" id="{87413449-E044-9CCA-1D2C-E506028953F1}"/>
+                <a16:creationId xmlns:a16="http://schemas.microsoft.com/office/drawing/2014/main" id="{73B2CCF6-B197-CC86-C744-8390E0BD954B}"/>
               </a:ext>
             </a:extLst>
           </p:cNvPr>
@@ -306,7 +306,7 @@
           <a:bodyPr/>
           <a:lstStyle/>
           <a:p>
-            <a:fld id="{59B2F28A-D0A6-4180-BAD3-8F9AA5FDB498}" type="slidenum">
+            <a:fld id="{E2C9EBF0-CAF6-4524-BDEE-E68B98737832}" type="slidenum">
               <a:rPr lang="zh-CN" altLang="en-US" smtClean="0"/>
               <a:t>‹#›</a:t>
             </a:fld>
@@ -317,7 +317,7 @@
     </p:spTree>
     <p:extLst>
       <p:ext uri="{BB962C8B-B14F-4D97-AF65-F5344CB8AC3E}">
-        <p14:creationId xmlns:p14="http://schemas.microsoft.com/office/powerpoint/2010/main" val="1355289860"/>
+        <p14:creationId xmlns:p14="http://schemas.microsoft.com/office/powerpoint/2010/main" val="1963475052"/>
       </p:ext>
     </p:extLst>
   </p:cSld>
@@ -349,7 +349,7 @@
           <p:cNvPr id="2" name="标题 1">
             <a:extLst>
               <a:ext uri="{FF2B5EF4-FFF2-40B4-BE49-F238E27FC236}">
-                <a16:creationId xmlns:a16="http://schemas.microsoft.com/office/drawing/2014/main" id="{BF931702-54FD-DAD4-0790-CE6B065C50AE}"/>
+                <a16:creationId xmlns:a16="http://schemas.microsoft.com/office/drawing/2014/main" id="{70AC511A-80A5-4F68-4489-B7B0937B0AB9}"/>
               </a:ext>
             </a:extLst>
           </p:cNvPr>
@@ -377,7 +377,7 @@
           <p:cNvPr id="3" name="竖排文字占位符 2">
             <a:extLst>
               <a:ext uri="{FF2B5EF4-FFF2-40B4-BE49-F238E27FC236}">
-                <a16:creationId xmlns:a16="http://schemas.microsoft.com/office/drawing/2014/main" id="{402DAFE0-3984-F3C8-3CDD-78B4442D7682}"/>
+                <a16:creationId xmlns:a16="http://schemas.microsoft.com/office/drawing/2014/main" id="{8CB4147B-56CA-27D0-C5FD-9A6AFAF1E6FE}"/>
               </a:ext>
             </a:extLst>
           </p:cNvPr>
@@ -434,7 +434,7 @@
           <p:cNvPr id="4" name="日期占位符 3">
             <a:extLst>
               <a:ext uri="{FF2B5EF4-FFF2-40B4-BE49-F238E27FC236}">
-                <a16:creationId xmlns:a16="http://schemas.microsoft.com/office/drawing/2014/main" id="{79FB5478-F324-2406-7F5D-6390D517C368}"/>
+                <a16:creationId xmlns:a16="http://schemas.microsoft.com/office/drawing/2014/main" id="{0CB0DB34-10F0-17F7-C83C-9B8FDA813927}"/>
               </a:ext>
             </a:extLst>
           </p:cNvPr>
@@ -450,7 +450,7 @@
           <a:bodyPr/>
           <a:lstStyle/>
           <a:p>
-            <a:fld id="{14E4C636-8014-4832-B202-AAFF68144FAA}" type="datetimeFigureOut">
+            <a:fld id="{7023F3E0-93A9-47A7-8858-4E82FBCA80BB}" type="datetimeFigureOut">
               <a:rPr lang="zh-CN" altLang="en-US" smtClean="0"/>
               <a:t>2024/3/10</a:t>
             </a:fld>
@@ -463,7 +463,7 @@
           <p:cNvPr id="5" name="页脚占位符 4">
             <a:extLst>
               <a:ext uri="{FF2B5EF4-FFF2-40B4-BE49-F238E27FC236}">
-                <a16:creationId xmlns:a16="http://schemas.microsoft.com/office/drawing/2014/main" id="{7A1761C9-D0CD-9920-F547-5810A3F04A1E}"/>
+                <a16:creationId xmlns:a16="http://schemas.microsoft.com/office/drawing/2014/main" id="{9DB062F9-B4ED-61D6-00CD-A3BD80EB066E}"/>
               </a:ext>
             </a:extLst>
           </p:cNvPr>
@@ -488,7 +488,7 @@
           <p:cNvPr id="6" name="灯片编号占位符 5">
             <a:extLst>
               <a:ext uri="{FF2B5EF4-FFF2-40B4-BE49-F238E27FC236}">
-                <a16:creationId xmlns:a16="http://schemas.microsoft.com/office/drawing/2014/main" id="{3AE09751-57F9-B93E-DE10-ECF0CD4607AE}"/>
+                <a16:creationId xmlns:a16="http://schemas.microsoft.com/office/drawing/2014/main" id="{22622CF0-1F74-48F5-6949-B58F595C9476}"/>
               </a:ext>
             </a:extLst>
           </p:cNvPr>
@@ -504,7 +504,7 @@
           <a:bodyPr/>
           <a:lstStyle/>
           <a:p>
-            <a:fld id="{59B2F28A-D0A6-4180-BAD3-8F9AA5FDB498}" type="slidenum">
+            <a:fld id="{E2C9EBF0-CAF6-4524-BDEE-E68B98737832}" type="slidenum">
               <a:rPr lang="zh-CN" altLang="en-US" smtClean="0"/>
               <a:t>‹#›</a:t>
             </a:fld>
@@ -515,7 +515,7 @@
     </p:spTree>
     <p:extLst>
       <p:ext uri="{BB962C8B-B14F-4D97-AF65-F5344CB8AC3E}">
-        <p14:creationId xmlns:p14="http://schemas.microsoft.com/office/powerpoint/2010/main" val="1268932687"/>
+        <p14:creationId xmlns:p14="http://schemas.microsoft.com/office/powerpoint/2010/main" val="1388471218"/>
       </p:ext>
     </p:extLst>
   </p:cSld>
@@ -547,7 +547,7 @@
           <p:cNvPr id="2" name="竖排标题 1">
             <a:extLst>
               <a:ext uri="{FF2B5EF4-FFF2-40B4-BE49-F238E27FC236}">
-                <a16:creationId xmlns:a16="http://schemas.microsoft.com/office/drawing/2014/main" id="{BBBD912A-78F8-B63E-F975-A0ADBFB9B9C1}"/>
+                <a16:creationId xmlns:a16="http://schemas.microsoft.com/office/drawing/2014/main" id="{4A72C06A-C42E-83F7-99B0-E481738E3574}"/>
               </a:ext>
             </a:extLst>
           </p:cNvPr>
@@ -580,7 +580,7 @@
           <p:cNvPr id="3" name="竖排文字占位符 2">
             <a:extLst>
               <a:ext uri="{FF2B5EF4-FFF2-40B4-BE49-F238E27FC236}">
-                <a16:creationId xmlns:a16="http://schemas.microsoft.com/office/drawing/2014/main" id="{96645F83-E1C5-EFD6-F6EE-6FD9B628B83A}"/>
+                <a16:creationId xmlns:a16="http://schemas.microsoft.com/office/drawing/2014/main" id="{D8DC9CAF-54EE-2016-5EC8-A233B27A8A93}"/>
               </a:ext>
             </a:extLst>
           </p:cNvPr>
@@ -642,7 +642,7 @@
           <p:cNvPr id="4" name="日期占位符 3">
             <a:extLst>
               <a:ext uri="{FF2B5EF4-FFF2-40B4-BE49-F238E27FC236}">
-                <a16:creationId xmlns:a16="http://schemas.microsoft.com/office/drawing/2014/main" id="{A30AE0EA-EBF4-71B2-57B8-78FE81B7B6EC}"/>
+                <a16:creationId xmlns:a16="http://schemas.microsoft.com/office/drawing/2014/main" id="{D2E68DA2-DE47-7611-3A4E-47AF769C423A}"/>
               </a:ext>
             </a:extLst>
           </p:cNvPr>
@@ -658,7 +658,7 @@
           <a:bodyPr/>
           <a:lstStyle/>
           <a:p>
-            <a:fld id="{14E4C636-8014-4832-B202-AAFF68144FAA}" type="datetimeFigureOut">
+            <a:fld id="{7023F3E0-93A9-47A7-8858-4E82FBCA80BB}" type="datetimeFigureOut">
               <a:rPr lang="zh-CN" altLang="en-US" smtClean="0"/>
               <a:t>2024/3/10</a:t>
             </a:fld>
@@ -671,7 +671,7 @@
           <p:cNvPr id="5" name="页脚占位符 4">
             <a:extLst>
               <a:ext uri="{FF2B5EF4-FFF2-40B4-BE49-F238E27FC236}">
-                <a16:creationId xmlns:a16="http://schemas.microsoft.com/office/drawing/2014/main" id="{BD51C484-2591-54F5-5839-C9085E0BB6BB}"/>
+                <a16:creationId xmlns:a16="http://schemas.microsoft.com/office/drawing/2014/main" id="{A04A8F18-4092-7500-EB82-62AA2BBF1E23}"/>
               </a:ext>
             </a:extLst>
           </p:cNvPr>
@@ -696,7 +696,7 @@
           <p:cNvPr id="6" name="灯片编号占位符 5">
             <a:extLst>
               <a:ext uri="{FF2B5EF4-FFF2-40B4-BE49-F238E27FC236}">
-                <a16:creationId xmlns:a16="http://schemas.microsoft.com/office/drawing/2014/main" id="{477E89C9-02D4-5F9B-07EE-0343F3C1A4E5}"/>
+                <a16:creationId xmlns:a16="http://schemas.microsoft.com/office/drawing/2014/main" id="{31D05773-3FAB-AC56-09D2-1413B922ABFF}"/>
               </a:ext>
             </a:extLst>
           </p:cNvPr>
@@ -712,7 +712,7 @@
           <a:bodyPr/>
           <a:lstStyle/>
           <a:p>
-            <a:fld id="{59B2F28A-D0A6-4180-BAD3-8F9AA5FDB498}" type="slidenum">
+            <a:fld id="{E2C9EBF0-CAF6-4524-BDEE-E68B98737832}" type="slidenum">
               <a:rPr lang="zh-CN" altLang="en-US" smtClean="0"/>
               <a:t>‹#›</a:t>
             </a:fld>
@@ -723,7 +723,7 @@
     </p:spTree>
     <p:extLst>
       <p:ext uri="{BB962C8B-B14F-4D97-AF65-F5344CB8AC3E}">
-        <p14:creationId xmlns:p14="http://schemas.microsoft.com/office/powerpoint/2010/main" val="2132647356"/>
+        <p14:creationId xmlns:p14="http://schemas.microsoft.com/office/powerpoint/2010/main" val="3026186063"/>
       </p:ext>
     </p:extLst>
   </p:cSld>
@@ -755,7 +755,7 @@
           <p:cNvPr id="2" name="标题 1">
             <a:extLst>
               <a:ext uri="{FF2B5EF4-FFF2-40B4-BE49-F238E27FC236}">
-                <a16:creationId xmlns:a16="http://schemas.microsoft.com/office/drawing/2014/main" id="{7109028F-7709-E9CB-056D-057A38D5EEFC}"/>
+                <a16:creationId xmlns:a16="http://schemas.microsoft.com/office/drawing/2014/main" id="{60FAE954-DF15-F363-BC75-F12EE98CD13E}"/>
               </a:ext>
             </a:extLst>
           </p:cNvPr>
@@ -783,7 +783,7 @@
           <p:cNvPr id="3" name="内容占位符 2">
             <a:extLst>
               <a:ext uri="{FF2B5EF4-FFF2-40B4-BE49-F238E27FC236}">
-                <a16:creationId xmlns:a16="http://schemas.microsoft.com/office/drawing/2014/main" id="{9459F4F2-0D9C-8F7D-7885-C9CAA939BF5B}"/>
+                <a16:creationId xmlns:a16="http://schemas.microsoft.com/office/drawing/2014/main" id="{F0F3ED93-DFCE-BC66-8009-E87DB0CF7A6E}"/>
               </a:ext>
             </a:extLst>
           </p:cNvPr>
@@ -840,7 +840,7 @@
           <p:cNvPr id="4" name="日期占位符 3">
             <a:extLst>
               <a:ext uri="{FF2B5EF4-FFF2-40B4-BE49-F238E27FC236}">
-                <a16:creationId xmlns:a16="http://schemas.microsoft.com/office/drawing/2014/main" id="{AFC1E83B-E37D-332E-020F-5E452649907A}"/>
+                <a16:creationId xmlns:a16="http://schemas.microsoft.com/office/drawing/2014/main" id="{4A26E0F5-6128-E66A-CE1B-F0172644D2ED}"/>
               </a:ext>
             </a:extLst>
           </p:cNvPr>
@@ -856,7 +856,7 @@
           <a:bodyPr/>
           <a:lstStyle/>
           <a:p>
-            <a:fld id="{14E4C636-8014-4832-B202-AAFF68144FAA}" type="datetimeFigureOut">
+            <a:fld id="{7023F3E0-93A9-47A7-8858-4E82FBCA80BB}" type="datetimeFigureOut">
               <a:rPr lang="zh-CN" altLang="en-US" smtClean="0"/>
               <a:t>2024/3/10</a:t>
             </a:fld>
@@ -869,7 +869,7 @@
           <p:cNvPr id="5" name="页脚占位符 4">
             <a:extLst>
               <a:ext uri="{FF2B5EF4-FFF2-40B4-BE49-F238E27FC236}">
-                <a16:creationId xmlns:a16="http://schemas.microsoft.com/office/drawing/2014/main" id="{6F2A54F6-8646-5FEC-1709-0CBDD2E5AB22}"/>
+                <a16:creationId xmlns:a16="http://schemas.microsoft.com/office/drawing/2014/main" id="{E7219C75-E054-590A-2F1B-3103E195AF28}"/>
               </a:ext>
             </a:extLst>
           </p:cNvPr>
@@ -894,7 +894,7 @@
           <p:cNvPr id="6" name="灯片编号占位符 5">
             <a:extLst>
               <a:ext uri="{FF2B5EF4-FFF2-40B4-BE49-F238E27FC236}">
-                <a16:creationId xmlns:a16="http://schemas.microsoft.com/office/drawing/2014/main" id="{028BD721-54EA-B177-A671-8C1EB8499DBC}"/>
+                <a16:creationId xmlns:a16="http://schemas.microsoft.com/office/drawing/2014/main" id="{9160D61F-6225-7B5C-D8CB-9EF7019DFF66}"/>
               </a:ext>
             </a:extLst>
           </p:cNvPr>
@@ -910,7 +910,7 @@
           <a:bodyPr/>
           <a:lstStyle/>
           <a:p>
-            <a:fld id="{59B2F28A-D0A6-4180-BAD3-8F9AA5FDB498}" type="slidenum">
+            <a:fld id="{E2C9EBF0-CAF6-4524-BDEE-E68B98737832}" type="slidenum">
               <a:rPr lang="zh-CN" altLang="en-US" smtClean="0"/>
               <a:t>‹#›</a:t>
             </a:fld>
@@ -921,7 +921,7 @@
     </p:spTree>
     <p:extLst>
       <p:ext uri="{BB962C8B-B14F-4D97-AF65-F5344CB8AC3E}">
-        <p14:creationId xmlns:p14="http://schemas.microsoft.com/office/powerpoint/2010/main" val="1977151979"/>
+        <p14:creationId xmlns:p14="http://schemas.microsoft.com/office/powerpoint/2010/main" val="1657954222"/>
       </p:ext>
     </p:extLst>
   </p:cSld>
@@ -953,7 +953,7 @@
           <p:cNvPr id="2" name="标题 1">
             <a:extLst>
               <a:ext uri="{FF2B5EF4-FFF2-40B4-BE49-F238E27FC236}">
-                <a16:creationId xmlns:a16="http://schemas.microsoft.com/office/drawing/2014/main" id="{1C13A839-4568-187E-D73F-4ABDD88F919B}"/>
+                <a16:creationId xmlns:a16="http://schemas.microsoft.com/office/drawing/2014/main" id="{4DB350E6-FC6A-EC94-2F2E-0702DF26BDCD}"/>
               </a:ext>
             </a:extLst>
           </p:cNvPr>
@@ -990,7 +990,7 @@
           <p:cNvPr id="3" name="文本占位符 2">
             <a:extLst>
               <a:ext uri="{FF2B5EF4-FFF2-40B4-BE49-F238E27FC236}">
-                <a16:creationId xmlns:a16="http://schemas.microsoft.com/office/drawing/2014/main" id="{6C74953A-A524-B949-554F-47EC6DC9D1DC}"/>
+                <a16:creationId xmlns:a16="http://schemas.microsoft.com/office/drawing/2014/main" id="{F7CB634B-8761-69ED-6117-1AF3C69C23F8}"/>
               </a:ext>
             </a:extLst>
           </p:cNvPr>
@@ -1115,7 +1115,7 @@
           <p:cNvPr id="4" name="日期占位符 3">
             <a:extLst>
               <a:ext uri="{FF2B5EF4-FFF2-40B4-BE49-F238E27FC236}">
-                <a16:creationId xmlns:a16="http://schemas.microsoft.com/office/drawing/2014/main" id="{14991E04-19CB-1B01-F0DA-55D0A8F10204}"/>
+                <a16:creationId xmlns:a16="http://schemas.microsoft.com/office/drawing/2014/main" id="{925CB2BE-4691-05CC-943A-53FB8283A6AA}"/>
               </a:ext>
             </a:extLst>
           </p:cNvPr>
@@ -1131,7 +1131,7 @@
           <a:bodyPr/>
           <a:lstStyle/>
           <a:p>
-            <a:fld id="{14E4C636-8014-4832-B202-AAFF68144FAA}" type="datetimeFigureOut">
+            <a:fld id="{7023F3E0-93A9-47A7-8858-4E82FBCA80BB}" type="datetimeFigureOut">
               <a:rPr lang="zh-CN" altLang="en-US" smtClean="0"/>
               <a:t>2024/3/10</a:t>
             </a:fld>
@@ -1144,7 +1144,7 @@
           <p:cNvPr id="5" name="页脚占位符 4">
             <a:extLst>
               <a:ext uri="{FF2B5EF4-FFF2-40B4-BE49-F238E27FC236}">
-                <a16:creationId xmlns:a16="http://schemas.microsoft.com/office/drawing/2014/main" id="{48155956-799D-54D1-7EA4-861FA950A0CB}"/>
+                <a16:creationId xmlns:a16="http://schemas.microsoft.com/office/drawing/2014/main" id="{ED148C30-7CEC-73D3-2B0A-2B0463664611}"/>
               </a:ext>
             </a:extLst>
           </p:cNvPr>
@@ -1169,7 +1169,7 @@
           <p:cNvPr id="6" name="灯片编号占位符 5">
             <a:extLst>
               <a:ext uri="{FF2B5EF4-FFF2-40B4-BE49-F238E27FC236}">
-                <a16:creationId xmlns:a16="http://schemas.microsoft.com/office/drawing/2014/main" id="{3AAFDF5D-3EEF-4214-0C80-DC15B70FD7BA}"/>
+                <a16:creationId xmlns:a16="http://schemas.microsoft.com/office/drawing/2014/main" id="{0D218964-B4DD-FD81-0AAF-903AEFAE74C0}"/>
               </a:ext>
             </a:extLst>
           </p:cNvPr>
@@ -1185,7 +1185,7 @@
           <a:bodyPr/>
           <a:lstStyle/>
           <a:p>
-            <a:fld id="{59B2F28A-D0A6-4180-BAD3-8F9AA5FDB498}" type="slidenum">
+            <a:fld id="{E2C9EBF0-CAF6-4524-BDEE-E68B98737832}" type="slidenum">
               <a:rPr lang="zh-CN" altLang="en-US" smtClean="0"/>
               <a:t>‹#›</a:t>
             </a:fld>
@@ -1196,7 +1196,7 @@
     </p:spTree>
     <p:extLst>
       <p:ext uri="{BB962C8B-B14F-4D97-AF65-F5344CB8AC3E}">
-        <p14:creationId xmlns:p14="http://schemas.microsoft.com/office/powerpoint/2010/main" val="1236089005"/>
+        <p14:creationId xmlns:p14="http://schemas.microsoft.com/office/powerpoint/2010/main" val="1592616651"/>
       </p:ext>
     </p:extLst>
   </p:cSld>
@@ -1228,7 +1228,7 @@
           <p:cNvPr id="2" name="标题 1">
             <a:extLst>
               <a:ext uri="{FF2B5EF4-FFF2-40B4-BE49-F238E27FC236}">
-                <a16:creationId xmlns:a16="http://schemas.microsoft.com/office/drawing/2014/main" id="{AA133F16-51B6-1F9E-6ED4-4EAA3E4D6D6C}"/>
+                <a16:creationId xmlns:a16="http://schemas.microsoft.com/office/drawing/2014/main" id="{37066EB5-0FC2-5763-A3A9-B1AF9674D263}"/>
               </a:ext>
             </a:extLst>
           </p:cNvPr>
@@ -1256,7 +1256,7 @@
           <p:cNvPr id="3" name="内容占位符 2">
             <a:extLst>
               <a:ext uri="{FF2B5EF4-FFF2-40B4-BE49-F238E27FC236}">
-                <a16:creationId xmlns:a16="http://schemas.microsoft.com/office/drawing/2014/main" id="{9E84EF5E-29D0-B5AD-964C-B376CAD95865}"/>
+                <a16:creationId xmlns:a16="http://schemas.microsoft.com/office/drawing/2014/main" id="{B282F299-8D0F-991C-A391-F0060A41F5E6}"/>
               </a:ext>
             </a:extLst>
           </p:cNvPr>
@@ -1318,7 +1318,7 @@
           <p:cNvPr id="4" name="内容占位符 3">
             <a:extLst>
               <a:ext uri="{FF2B5EF4-FFF2-40B4-BE49-F238E27FC236}">
-                <a16:creationId xmlns:a16="http://schemas.microsoft.com/office/drawing/2014/main" id="{4207F68E-9412-AD53-BDEB-AE926ACCD62A}"/>
+                <a16:creationId xmlns:a16="http://schemas.microsoft.com/office/drawing/2014/main" id="{05AF517F-C184-0361-F22D-5795B29D4519}"/>
               </a:ext>
             </a:extLst>
           </p:cNvPr>
@@ -1380,7 +1380,7 @@
           <p:cNvPr id="5" name="日期占位符 4">
             <a:extLst>
               <a:ext uri="{FF2B5EF4-FFF2-40B4-BE49-F238E27FC236}">
-                <a16:creationId xmlns:a16="http://schemas.microsoft.com/office/drawing/2014/main" id="{86AE16E9-5FAC-F9B0-3C8C-38B79039B0D7}"/>
+                <a16:creationId xmlns:a16="http://schemas.microsoft.com/office/drawing/2014/main" id="{F60E25F3-5638-F250-8C45-7C1C79E40A6F}"/>
               </a:ext>
             </a:extLst>
           </p:cNvPr>
@@ -1396,7 +1396,7 @@
           <a:bodyPr/>
           <a:lstStyle/>
           <a:p>
-            <a:fld id="{14E4C636-8014-4832-B202-AAFF68144FAA}" type="datetimeFigureOut">
+            <a:fld id="{7023F3E0-93A9-47A7-8858-4E82FBCA80BB}" type="datetimeFigureOut">
               <a:rPr lang="zh-CN" altLang="en-US" smtClean="0"/>
               <a:t>2024/3/10</a:t>
             </a:fld>
@@ -1409,7 +1409,7 @@
           <p:cNvPr id="6" name="页脚占位符 5">
             <a:extLst>
               <a:ext uri="{FF2B5EF4-FFF2-40B4-BE49-F238E27FC236}">
-                <a16:creationId xmlns:a16="http://schemas.microsoft.com/office/drawing/2014/main" id="{4DA23505-A829-73CF-95C1-ADA840B61218}"/>
+                <a16:creationId xmlns:a16="http://schemas.microsoft.com/office/drawing/2014/main" id="{6A853D8E-DBB0-17AE-7DDA-77BA15279AC5}"/>
               </a:ext>
             </a:extLst>
           </p:cNvPr>
@@ -1434,7 +1434,7 @@
           <p:cNvPr id="7" name="灯片编号占位符 6">
             <a:extLst>
               <a:ext uri="{FF2B5EF4-FFF2-40B4-BE49-F238E27FC236}">
-                <a16:creationId xmlns:a16="http://schemas.microsoft.com/office/drawing/2014/main" id="{BB233F6B-96B2-C77D-AB77-EABB3F519E83}"/>
+                <a16:creationId xmlns:a16="http://schemas.microsoft.com/office/drawing/2014/main" id="{FEB8A847-B164-356B-AC17-F0182BE9A19E}"/>
               </a:ext>
             </a:extLst>
           </p:cNvPr>
@@ -1450,7 +1450,7 @@
           <a:bodyPr/>
           <a:lstStyle/>
           <a:p>
-            <a:fld id="{59B2F28A-D0A6-4180-BAD3-8F9AA5FDB498}" type="slidenum">
+            <a:fld id="{E2C9EBF0-CAF6-4524-BDEE-E68B98737832}" type="slidenum">
               <a:rPr lang="zh-CN" altLang="en-US" smtClean="0"/>
               <a:t>‹#›</a:t>
             </a:fld>
@@ -1461,7 +1461,7 @@
     </p:spTree>
     <p:extLst>
       <p:ext uri="{BB962C8B-B14F-4D97-AF65-F5344CB8AC3E}">
-        <p14:creationId xmlns:p14="http://schemas.microsoft.com/office/powerpoint/2010/main" val="1767435076"/>
+        <p14:creationId xmlns:p14="http://schemas.microsoft.com/office/powerpoint/2010/main" val="3527951283"/>
       </p:ext>
     </p:extLst>
   </p:cSld>
@@ -1493,7 +1493,7 @@
           <p:cNvPr id="2" name="标题 1">
             <a:extLst>
               <a:ext uri="{FF2B5EF4-FFF2-40B4-BE49-F238E27FC236}">
-                <a16:creationId xmlns:a16="http://schemas.microsoft.com/office/drawing/2014/main" id="{3805E67A-A436-7698-8B71-2B57D0B6DC7D}"/>
+                <a16:creationId xmlns:a16="http://schemas.microsoft.com/office/drawing/2014/main" id="{7B23C3D7-8D8B-3E46-8C6F-BC75D732AED6}"/>
               </a:ext>
             </a:extLst>
           </p:cNvPr>
@@ -1526,7 +1526,7 @@
           <p:cNvPr id="3" name="文本占位符 2">
             <a:extLst>
               <a:ext uri="{FF2B5EF4-FFF2-40B4-BE49-F238E27FC236}">
-                <a16:creationId xmlns:a16="http://schemas.microsoft.com/office/drawing/2014/main" id="{877F7CC7-33E5-2CB1-F20B-93A5B1119352}"/>
+                <a16:creationId xmlns:a16="http://schemas.microsoft.com/office/drawing/2014/main" id="{33DE94AB-A611-A2CF-160D-FF4247D98EBF}"/>
               </a:ext>
             </a:extLst>
           </p:cNvPr>
@@ -1597,7 +1597,7 @@
           <p:cNvPr id="4" name="内容占位符 3">
             <a:extLst>
               <a:ext uri="{FF2B5EF4-FFF2-40B4-BE49-F238E27FC236}">
-                <a16:creationId xmlns:a16="http://schemas.microsoft.com/office/drawing/2014/main" id="{7B1623F8-F6C7-B7EB-DA8D-C4C078616DB5}"/>
+                <a16:creationId xmlns:a16="http://schemas.microsoft.com/office/drawing/2014/main" id="{F166CC27-0A49-4A91-6835-E96017CF11CE}"/>
               </a:ext>
             </a:extLst>
           </p:cNvPr>
@@ -1659,7 +1659,7 @@
           <p:cNvPr id="5" name="文本占位符 4">
             <a:extLst>
               <a:ext uri="{FF2B5EF4-FFF2-40B4-BE49-F238E27FC236}">
-                <a16:creationId xmlns:a16="http://schemas.microsoft.com/office/drawing/2014/main" id="{CCDDE585-72B4-C340-19B7-5C82E61593DE}"/>
+                <a16:creationId xmlns:a16="http://schemas.microsoft.com/office/drawing/2014/main" id="{BD132ABE-5D22-9D23-39BE-397E73882322}"/>
               </a:ext>
             </a:extLst>
           </p:cNvPr>
@@ -1730,7 +1730,7 @@
           <p:cNvPr id="6" name="内容占位符 5">
             <a:extLst>
               <a:ext uri="{FF2B5EF4-FFF2-40B4-BE49-F238E27FC236}">
-                <a16:creationId xmlns:a16="http://schemas.microsoft.com/office/drawing/2014/main" id="{04707EA0-3FB1-9D8B-1F67-CB705A7C2C14}"/>
+                <a16:creationId xmlns:a16="http://schemas.microsoft.com/office/drawing/2014/main" id="{2F880789-DD1A-3396-F8DB-9DF163AC1090}"/>
               </a:ext>
             </a:extLst>
           </p:cNvPr>
@@ -1792,7 +1792,7 @@
           <p:cNvPr id="7" name="日期占位符 6">
             <a:extLst>
               <a:ext uri="{FF2B5EF4-FFF2-40B4-BE49-F238E27FC236}">
-                <a16:creationId xmlns:a16="http://schemas.microsoft.com/office/drawing/2014/main" id="{5DB44258-B3A7-C26A-3FEC-100F89A40055}"/>
+                <a16:creationId xmlns:a16="http://schemas.microsoft.com/office/drawing/2014/main" id="{3ED10E19-1FB3-C42B-AEF8-44B85652F5D5}"/>
               </a:ext>
             </a:extLst>
           </p:cNvPr>
@@ -1808,7 +1808,7 @@
           <a:bodyPr/>
           <a:lstStyle/>
           <a:p>
-            <a:fld id="{14E4C636-8014-4832-B202-AAFF68144FAA}" type="datetimeFigureOut">
+            <a:fld id="{7023F3E0-93A9-47A7-8858-4E82FBCA80BB}" type="datetimeFigureOut">
               <a:rPr lang="zh-CN" altLang="en-US" smtClean="0"/>
               <a:t>2024/3/10</a:t>
             </a:fld>
@@ -1821,7 +1821,7 @@
           <p:cNvPr id="8" name="页脚占位符 7">
             <a:extLst>
               <a:ext uri="{FF2B5EF4-FFF2-40B4-BE49-F238E27FC236}">
-                <a16:creationId xmlns:a16="http://schemas.microsoft.com/office/drawing/2014/main" id="{FCE7C2B4-ED86-8705-ACD8-FBE53395538B}"/>
+                <a16:creationId xmlns:a16="http://schemas.microsoft.com/office/drawing/2014/main" id="{1C6801B2-78EE-C4AF-D856-4ABA37B10772}"/>
               </a:ext>
             </a:extLst>
           </p:cNvPr>
@@ -1846,7 +1846,7 @@
           <p:cNvPr id="9" name="灯片编号占位符 8">
             <a:extLst>
               <a:ext uri="{FF2B5EF4-FFF2-40B4-BE49-F238E27FC236}">
-                <a16:creationId xmlns:a16="http://schemas.microsoft.com/office/drawing/2014/main" id="{A878F823-004F-AC88-4E14-86D7EAF5E841}"/>
+                <a16:creationId xmlns:a16="http://schemas.microsoft.com/office/drawing/2014/main" id="{244B7DA5-45F1-6CAE-CBD7-A93532930A7C}"/>
               </a:ext>
             </a:extLst>
           </p:cNvPr>
@@ -1862,7 +1862,7 @@
           <a:bodyPr/>
           <a:lstStyle/>
           <a:p>
-            <a:fld id="{59B2F28A-D0A6-4180-BAD3-8F9AA5FDB498}" type="slidenum">
+            <a:fld id="{E2C9EBF0-CAF6-4524-BDEE-E68B98737832}" type="slidenum">
               <a:rPr lang="zh-CN" altLang="en-US" smtClean="0"/>
               <a:t>‹#›</a:t>
             </a:fld>
@@ -1873,7 +1873,7 @@
     </p:spTree>
     <p:extLst>
       <p:ext uri="{BB962C8B-B14F-4D97-AF65-F5344CB8AC3E}">
-        <p14:creationId xmlns:p14="http://schemas.microsoft.com/office/powerpoint/2010/main" val="836981938"/>
+        <p14:creationId xmlns:p14="http://schemas.microsoft.com/office/powerpoint/2010/main" val="2129029536"/>
       </p:ext>
     </p:extLst>
   </p:cSld>
@@ -1905,7 +1905,7 @@
           <p:cNvPr id="2" name="标题 1">
             <a:extLst>
               <a:ext uri="{FF2B5EF4-FFF2-40B4-BE49-F238E27FC236}">
-                <a16:creationId xmlns:a16="http://schemas.microsoft.com/office/drawing/2014/main" id="{ED030445-2F36-5523-F075-FA65FF23D51B}"/>
+                <a16:creationId xmlns:a16="http://schemas.microsoft.com/office/drawing/2014/main" id="{447AD64A-906F-7EDC-B9FD-927E1BF357FC}"/>
               </a:ext>
             </a:extLst>
           </p:cNvPr>
@@ -1933,7 +1933,7 @@
           <p:cNvPr id="3" name="日期占位符 2">
             <a:extLst>
               <a:ext uri="{FF2B5EF4-FFF2-40B4-BE49-F238E27FC236}">
-                <a16:creationId xmlns:a16="http://schemas.microsoft.com/office/drawing/2014/main" id="{EA4092C2-3A41-FA44-DA73-0802CBB312B5}"/>
+                <a16:creationId xmlns:a16="http://schemas.microsoft.com/office/drawing/2014/main" id="{AB048240-DE1B-3A95-648A-453F70D8DC8B}"/>
               </a:ext>
             </a:extLst>
           </p:cNvPr>
@@ -1949,7 +1949,7 @@
           <a:bodyPr/>
           <a:lstStyle/>
           <a:p>
-            <a:fld id="{14E4C636-8014-4832-B202-AAFF68144FAA}" type="datetimeFigureOut">
+            <a:fld id="{7023F3E0-93A9-47A7-8858-4E82FBCA80BB}" type="datetimeFigureOut">
               <a:rPr lang="zh-CN" altLang="en-US" smtClean="0"/>
               <a:t>2024/3/10</a:t>
             </a:fld>
@@ -1962,7 +1962,7 @@
           <p:cNvPr id="4" name="页脚占位符 3">
             <a:extLst>
               <a:ext uri="{FF2B5EF4-FFF2-40B4-BE49-F238E27FC236}">
-                <a16:creationId xmlns:a16="http://schemas.microsoft.com/office/drawing/2014/main" id="{A8C08699-8E3D-C989-940E-13566778A072}"/>
+                <a16:creationId xmlns:a16="http://schemas.microsoft.com/office/drawing/2014/main" id="{39E9021C-2562-0CCA-5EE7-D0C9EC9166BD}"/>
               </a:ext>
             </a:extLst>
           </p:cNvPr>
@@ -1987,7 +1987,7 @@
           <p:cNvPr id="5" name="灯片编号占位符 4">
             <a:extLst>
               <a:ext uri="{FF2B5EF4-FFF2-40B4-BE49-F238E27FC236}">
-                <a16:creationId xmlns:a16="http://schemas.microsoft.com/office/drawing/2014/main" id="{0DC1F917-AF27-C59C-4AE2-64B6DA3809E1}"/>
+                <a16:creationId xmlns:a16="http://schemas.microsoft.com/office/drawing/2014/main" id="{3609E692-6BE6-9465-E9D9-B009E9CD7E00}"/>
               </a:ext>
             </a:extLst>
           </p:cNvPr>
@@ -2003,7 +2003,7 @@
           <a:bodyPr/>
           <a:lstStyle/>
           <a:p>
-            <a:fld id="{59B2F28A-D0A6-4180-BAD3-8F9AA5FDB498}" type="slidenum">
+            <a:fld id="{E2C9EBF0-CAF6-4524-BDEE-E68B98737832}" type="slidenum">
               <a:rPr lang="zh-CN" altLang="en-US" smtClean="0"/>
               <a:t>‹#›</a:t>
             </a:fld>
@@ -2014,7 +2014,7 @@
     </p:spTree>
     <p:extLst>
       <p:ext uri="{BB962C8B-B14F-4D97-AF65-F5344CB8AC3E}">
-        <p14:creationId xmlns:p14="http://schemas.microsoft.com/office/powerpoint/2010/main" val="3445390565"/>
+        <p14:creationId xmlns:p14="http://schemas.microsoft.com/office/powerpoint/2010/main" val="376194515"/>
       </p:ext>
     </p:extLst>
   </p:cSld>
@@ -2046,7 +2046,7 @@
           <p:cNvPr id="2" name="日期占位符 1">
             <a:extLst>
               <a:ext uri="{FF2B5EF4-FFF2-40B4-BE49-F238E27FC236}">
-                <a16:creationId xmlns:a16="http://schemas.microsoft.com/office/drawing/2014/main" id="{9E8FD46A-6FA6-CA2E-D7A7-EF6E75642A51}"/>
+                <a16:creationId xmlns:a16="http://schemas.microsoft.com/office/drawing/2014/main" id="{51806F49-DE4D-385C-39BB-72D2C95DA698}"/>
               </a:ext>
             </a:extLst>
           </p:cNvPr>
@@ -2062,7 +2062,7 @@
           <a:bodyPr/>
           <a:lstStyle/>
           <a:p>
-            <a:fld id="{14E4C636-8014-4832-B202-AAFF68144FAA}" type="datetimeFigureOut">
+            <a:fld id="{7023F3E0-93A9-47A7-8858-4E82FBCA80BB}" type="datetimeFigureOut">
               <a:rPr lang="zh-CN" altLang="en-US" smtClean="0"/>
               <a:t>2024/3/10</a:t>
             </a:fld>
@@ -2075,7 +2075,7 @@
           <p:cNvPr id="3" name="页脚占位符 2">
             <a:extLst>
               <a:ext uri="{FF2B5EF4-FFF2-40B4-BE49-F238E27FC236}">
-                <a16:creationId xmlns:a16="http://schemas.microsoft.com/office/drawing/2014/main" id="{E56847BD-9F3E-11BC-D2AF-E6316707709F}"/>
+                <a16:creationId xmlns:a16="http://schemas.microsoft.com/office/drawing/2014/main" id="{C5068AF1-2663-50FC-E0BB-0AB15E6C6182}"/>
               </a:ext>
             </a:extLst>
           </p:cNvPr>
@@ -2100,7 +2100,7 @@
           <p:cNvPr id="4" name="灯片编号占位符 3">
             <a:extLst>
               <a:ext uri="{FF2B5EF4-FFF2-40B4-BE49-F238E27FC236}">
-                <a16:creationId xmlns:a16="http://schemas.microsoft.com/office/drawing/2014/main" id="{C2D5ED68-D12B-FF31-4B68-9BC36D5E3804}"/>
+                <a16:creationId xmlns:a16="http://schemas.microsoft.com/office/drawing/2014/main" id="{4F89F3AA-E6BB-4AFC-42A9-757C181DF367}"/>
               </a:ext>
             </a:extLst>
           </p:cNvPr>
@@ -2116,7 +2116,7 @@
           <a:bodyPr/>
           <a:lstStyle/>
           <a:p>
-            <a:fld id="{59B2F28A-D0A6-4180-BAD3-8F9AA5FDB498}" type="slidenum">
+            <a:fld id="{E2C9EBF0-CAF6-4524-BDEE-E68B98737832}" type="slidenum">
               <a:rPr lang="zh-CN" altLang="en-US" smtClean="0"/>
               <a:t>‹#›</a:t>
             </a:fld>
@@ -2127,7 +2127,7 @@
     </p:spTree>
     <p:extLst>
       <p:ext uri="{BB962C8B-B14F-4D97-AF65-F5344CB8AC3E}">
-        <p14:creationId xmlns:p14="http://schemas.microsoft.com/office/powerpoint/2010/main" val="319929397"/>
+        <p14:creationId xmlns:p14="http://schemas.microsoft.com/office/powerpoint/2010/main" val="1193363024"/>
       </p:ext>
     </p:extLst>
   </p:cSld>
@@ -2159,7 +2159,7 @@
           <p:cNvPr id="2" name="标题 1">
             <a:extLst>
               <a:ext uri="{FF2B5EF4-FFF2-40B4-BE49-F238E27FC236}">
-                <a16:creationId xmlns:a16="http://schemas.microsoft.com/office/drawing/2014/main" id="{C9C04988-DF1B-9696-ECF7-24483C1F309D}"/>
+                <a16:creationId xmlns:a16="http://schemas.microsoft.com/office/drawing/2014/main" id="{043DE155-A258-ECA5-0517-A366D4828C6C}"/>
               </a:ext>
             </a:extLst>
           </p:cNvPr>
@@ -2196,7 +2196,7 @@
           <p:cNvPr id="3" name="内容占位符 2">
             <a:extLst>
               <a:ext uri="{FF2B5EF4-FFF2-40B4-BE49-F238E27FC236}">
-                <a16:creationId xmlns:a16="http://schemas.microsoft.com/office/drawing/2014/main" id="{64464D9E-D30C-B07D-73E8-8743DC492968}"/>
+                <a16:creationId xmlns:a16="http://schemas.microsoft.com/office/drawing/2014/main" id="{BEBB8C06-A682-ADE3-2FD4-E451D4ED7B77}"/>
               </a:ext>
             </a:extLst>
           </p:cNvPr>
@@ -2286,7 +2286,7 @@
           <p:cNvPr id="4" name="文本占位符 3">
             <a:extLst>
               <a:ext uri="{FF2B5EF4-FFF2-40B4-BE49-F238E27FC236}">
-                <a16:creationId xmlns:a16="http://schemas.microsoft.com/office/drawing/2014/main" id="{28D9A0B0-8831-E710-5BFD-F922C346DB7D}"/>
+                <a16:creationId xmlns:a16="http://schemas.microsoft.com/office/drawing/2014/main" id="{B669B82E-7096-3E9A-5CF5-157299E19E4C}"/>
               </a:ext>
             </a:extLst>
           </p:cNvPr>
@@ -2357,7 +2357,7 @@
           <p:cNvPr id="5" name="日期占位符 4">
             <a:extLst>
               <a:ext uri="{FF2B5EF4-FFF2-40B4-BE49-F238E27FC236}">
-                <a16:creationId xmlns:a16="http://schemas.microsoft.com/office/drawing/2014/main" id="{2A62AA7B-4A38-C41F-A1D2-40C1EA209661}"/>
+                <a16:creationId xmlns:a16="http://schemas.microsoft.com/office/drawing/2014/main" id="{91475159-28BE-E60B-8D80-B6B2B066ACBA}"/>
               </a:ext>
             </a:extLst>
           </p:cNvPr>
@@ -2373,7 +2373,7 @@
           <a:bodyPr/>
           <a:lstStyle/>
           <a:p>
-            <a:fld id="{14E4C636-8014-4832-B202-AAFF68144FAA}" type="datetimeFigureOut">
+            <a:fld id="{7023F3E0-93A9-47A7-8858-4E82FBCA80BB}" type="datetimeFigureOut">
               <a:rPr lang="zh-CN" altLang="en-US" smtClean="0"/>
               <a:t>2024/3/10</a:t>
             </a:fld>
@@ -2386,7 +2386,7 @@
           <p:cNvPr id="6" name="页脚占位符 5">
             <a:extLst>
               <a:ext uri="{FF2B5EF4-FFF2-40B4-BE49-F238E27FC236}">
-                <a16:creationId xmlns:a16="http://schemas.microsoft.com/office/drawing/2014/main" id="{017D91A1-323A-E505-C163-84A124F1063F}"/>
+                <a16:creationId xmlns:a16="http://schemas.microsoft.com/office/drawing/2014/main" id="{310A26BF-F464-66E9-BCAC-BF8D2D31F16F}"/>
               </a:ext>
             </a:extLst>
           </p:cNvPr>
@@ -2411,7 +2411,7 @@
           <p:cNvPr id="7" name="灯片编号占位符 6">
             <a:extLst>
               <a:ext uri="{FF2B5EF4-FFF2-40B4-BE49-F238E27FC236}">
-                <a16:creationId xmlns:a16="http://schemas.microsoft.com/office/drawing/2014/main" id="{88BD10C2-15DE-CE7E-6AEC-231DD200A24F}"/>
+                <a16:creationId xmlns:a16="http://schemas.microsoft.com/office/drawing/2014/main" id="{94C682B8-963D-C058-AA81-FD82138789B3}"/>
               </a:ext>
             </a:extLst>
           </p:cNvPr>
@@ -2427,7 +2427,7 @@
           <a:bodyPr/>
           <a:lstStyle/>
           <a:p>
-            <a:fld id="{59B2F28A-D0A6-4180-BAD3-8F9AA5FDB498}" type="slidenum">
+            <a:fld id="{E2C9EBF0-CAF6-4524-BDEE-E68B98737832}" type="slidenum">
               <a:rPr lang="zh-CN" altLang="en-US" smtClean="0"/>
               <a:t>‹#›</a:t>
             </a:fld>
@@ -2438,7 +2438,7 @@
     </p:spTree>
     <p:extLst>
       <p:ext uri="{BB962C8B-B14F-4D97-AF65-F5344CB8AC3E}">
-        <p14:creationId xmlns:p14="http://schemas.microsoft.com/office/powerpoint/2010/main" val="87856192"/>
+        <p14:creationId xmlns:p14="http://schemas.microsoft.com/office/powerpoint/2010/main" val="1624597921"/>
       </p:ext>
     </p:extLst>
   </p:cSld>
@@ -2470,7 +2470,7 @@
           <p:cNvPr id="2" name="标题 1">
             <a:extLst>
               <a:ext uri="{FF2B5EF4-FFF2-40B4-BE49-F238E27FC236}">
-                <a16:creationId xmlns:a16="http://schemas.microsoft.com/office/drawing/2014/main" id="{7E7A42B2-B12E-0BEB-9D11-4ACBA3B03422}"/>
+                <a16:creationId xmlns:a16="http://schemas.microsoft.com/office/drawing/2014/main" id="{445B16A0-263A-6D74-CC41-7E476B7784BC}"/>
               </a:ext>
             </a:extLst>
           </p:cNvPr>
@@ -2507,7 +2507,7 @@
           <p:cNvPr id="3" name="图片占位符 2">
             <a:extLst>
               <a:ext uri="{FF2B5EF4-FFF2-40B4-BE49-F238E27FC236}">
-                <a16:creationId xmlns:a16="http://schemas.microsoft.com/office/drawing/2014/main" id="{21DDE11E-1B74-C0AE-EA52-065B76C68699}"/>
+                <a16:creationId xmlns:a16="http://schemas.microsoft.com/office/drawing/2014/main" id="{4CAA2864-C557-2494-04BD-1B8D2369A762}"/>
               </a:ext>
             </a:extLst>
           </p:cNvPr>
@@ -2574,7 +2574,7 @@
           <p:cNvPr id="4" name="文本占位符 3">
             <a:extLst>
               <a:ext uri="{FF2B5EF4-FFF2-40B4-BE49-F238E27FC236}">
-                <a16:creationId xmlns:a16="http://schemas.microsoft.com/office/drawing/2014/main" id="{E91A18DD-61B7-CEF2-657F-4BD1C204480C}"/>
+                <a16:creationId xmlns:a16="http://schemas.microsoft.com/office/drawing/2014/main" id="{A59BA75A-CFAA-B49E-3104-7801FA1439D0}"/>
               </a:ext>
             </a:extLst>
           </p:cNvPr>
@@ -2645,7 +2645,7 @@
           <p:cNvPr id="5" name="日期占位符 4">
             <a:extLst>
               <a:ext uri="{FF2B5EF4-FFF2-40B4-BE49-F238E27FC236}">
-                <a16:creationId xmlns:a16="http://schemas.microsoft.com/office/drawing/2014/main" id="{A55C3A84-9AEA-3F67-9F77-D5A94F8B7A87}"/>
+                <a16:creationId xmlns:a16="http://schemas.microsoft.com/office/drawing/2014/main" id="{071C7C98-55CC-554C-62FF-B335E197CC95}"/>
               </a:ext>
             </a:extLst>
           </p:cNvPr>
@@ -2661,7 +2661,7 @@
           <a:bodyPr/>
           <a:lstStyle/>
           <a:p>
-            <a:fld id="{14E4C636-8014-4832-B202-AAFF68144FAA}" type="datetimeFigureOut">
+            <a:fld id="{7023F3E0-93A9-47A7-8858-4E82FBCA80BB}" type="datetimeFigureOut">
               <a:rPr lang="zh-CN" altLang="en-US" smtClean="0"/>
               <a:t>2024/3/10</a:t>
             </a:fld>
@@ -2674,7 +2674,7 @@
           <p:cNvPr id="6" name="页脚占位符 5">
             <a:extLst>
               <a:ext uri="{FF2B5EF4-FFF2-40B4-BE49-F238E27FC236}">
-                <a16:creationId xmlns:a16="http://schemas.microsoft.com/office/drawing/2014/main" id="{05D0E376-A3A0-C1F9-31D2-BC1BFF13BE34}"/>
+                <a16:creationId xmlns:a16="http://schemas.microsoft.com/office/drawing/2014/main" id="{3B4E7E19-51F6-4CF5-7851-B0FEC4392C61}"/>
               </a:ext>
             </a:extLst>
           </p:cNvPr>
@@ -2699,7 +2699,7 @@
           <p:cNvPr id="7" name="灯片编号占位符 6">
             <a:extLst>
               <a:ext uri="{FF2B5EF4-FFF2-40B4-BE49-F238E27FC236}">
-                <a16:creationId xmlns:a16="http://schemas.microsoft.com/office/drawing/2014/main" id="{866CC953-D54D-EBE3-4AF4-B32390B8C165}"/>
+                <a16:creationId xmlns:a16="http://schemas.microsoft.com/office/drawing/2014/main" id="{838BE35A-A03C-5A24-EEFA-983F3539E217}"/>
               </a:ext>
             </a:extLst>
           </p:cNvPr>
@@ -2715,7 +2715,7 @@
           <a:bodyPr/>
           <a:lstStyle/>
           <a:p>
-            <a:fld id="{59B2F28A-D0A6-4180-BAD3-8F9AA5FDB498}" type="slidenum">
+            <a:fld id="{E2C9EBF0-CAF6-4524-BDEE-E68B98737832}" type="slidenum">
               <a:rPr lang="zh-CN" altLang="en-US" smtClean="0"/>
               <a:t>‹#›</a:t>
             </a:fld>
@@ -2726,7 +2726,7 @@
     </p:spTree>
     <p:extLst>
       <p:ext uri="{BB962C8B-B14F-4D97-AF65-F5344CB8AC3E}">
-        <p14:creationId xmlns:p14="http://schemas.microsoft.com/office/powerpoint/2010/main" val="2316628382"/>
+        <p14:creationId xmlns:p14="http://schemas.microsoft.com/office/powerpoint/2010/main" val="657483704"/>
       </p:ext>
     </p:extLst>
   </p:cSld>
@@ -2763,7 +2763,7 @@
           <p:cNvPr id="2" name="标题占位符 1">
             <a:extLst>
               <a:ext uri="{FF2B5EF4-FFF2-40B4-BE49-F238E27FC236}">
-                <a16:creationId xmlns:a16="http://schemas.microsoft.com/office/drawing/2014/main" id="{0FEE6C9C-6CE3-8252-43AA-1F2B34232071}"/>
+                <a16:creationId xmlns:a16="http://schemas.microsoft.com/office/drawing/2014/main" id="{D318106E-6E69-CBB8-C9F7-628FBD18FD28}"/>
               </a:ext>
             </a:extLst>
           </p:cNvPr>
@@ -2801,7 +2801,7 @@
           <p:cNvPr id="3" name="文本占位符 2">
             <a:extLst>
               <a:ext uri="{FF2B5EF4-FFF2-40B4-BE49-F238E27FC236}">
-                <a16:creationId xmlns:a16="http://schemas.microsoft.com/office/drawing/2014/main" id="{D5437990-A4A3-C2D3-2E60-2D6C012C2639}"/>
+                <a16:creationId xmlns:a16="http://schemas.microsoft.com/office/drawing/2014/main" id="{8245018C-BF31-7D03-45AB-130FAE501A60}"/>
               </a:ext>
             </a:extLst>
           </p:cNvPr>
@@ -2868,7 +2868,7 @@
           <p:cNvPr id="4" name="日期占位符 3">
             <a:extLst>
               <a:ext uri="{FF2B5EF4-FFF2-40B4-BE49-F238E27FC236}">
-                <a16:creationId xmlns:a16="http://schemas.microsoft.com/office/drawing/2014/main" id="{8F40114B-C943-A208-6DB7-7165CBD4FB49}"/>
+                <a16:creationId xmlns:a16="http://schemas.microsoft.com/office/drawing/2014/main" id="{D49DAAD4-8985-DB50-468B-41802BAE21F3}"/>
               </a:ext>
             </a:extLst>
           </p:cNvPr>
@@ -2902,7 +2902,7 @@
             </a:lvl1pPr>
           </a:lstStyle>
           <a:p>
-            <a:fld id="{14E4C636-8014-4832-B202-AAFF68144FAA}" type="datetimeFigureOut">
+            <a:fld id="{7023F3E0-93A9-47A7-8858-4E82FBCA80BB}" type="datetimeFigureOut">
               <a:rPr lang="zh-CN" altLang="en-US" smtClean="0"/>
               <a:t>2024/3/10</a:t>
             </a:fld>
@@ -2915,7 +2915,7 @@
           <p:cNvPr id="5" name="页脚占位符 4">
             <a:extLst>
               <a:ext uri="{FF2B5EF4-FFF2-40B4-BE49-F238E27FC236}">
-                <a16:creationId xmlns:a16="http://schemas.microsoft.com/office/drawing/2014/main" id="{11DD256E-4A0D-3FE4-285C-520AABA52877}"/>
+                <a16:creationId xmlns:a16="http://schemas.microsoft.com/office/drawing/2014/main" id="{8AA83843-5CEB-FD2F-8789-1585DC484219}"/>
               </a:ext>
             </a:extLst>
           </p:cNvPr>
@@ -2958,7 +2958,7 @@
           <p:cNvPr id="6" name="灯片编号占位符 5">
             <a:extLst>
               <a:ext uri="{FF2B5EF4-FFF2-40B4-BE49-F238E27FC236}">
-                <a16:creationId xmlns:a16="http://schemas.microsoft.com/office/drawing/2014/main" id="{123C73D0-8B0D-CE23-D048-517E75FF9F0A}"/>
+                <a16:creationId xmlns:a16="http://schemas.microsoft.com/office/drawing/2014/main" id="{3AABF4EB-C089-D729-CFBC-4CB98B2C60A4}"/>
               </a:ext>
             </a:extLst>
           </p:cNvPr>
@@ -2992,7 +2992,7 @@
             </a:lvl1pPr>
           </a:lstStyle>
           <a:p>
-            <a:fld id="{59B2F28A-D0A6-4180-BAD3-8F9AA5FDB498}" type="slidenum">
+            <a:fld id="{E2C9EBF0-CAF6-4524-BDEE-E68B98737832}" type="slidenum">
               <a:rPr lang="zh-CN" altLang="en-US" smtClean="0"/>
               <a:t>‹#›</a:t>
             </a:fld>
@@ -3003,7 +3003,7 @@
     </p:spTree>
     <p:extLst>
       <p:ext uri="{BB962C8B-B14F-4D97-AF65-F5344CB8AC3E}">
-        <p14:creationId xmlns:p14="http://schemas.microsoft.com/office/powerpoint/2010/main" val="2756642415"/>
+        <p14:creationId xmlns:p14="http://schemas.microsoft.com/office/powerpoint/2010/main" val="2274714082"/>
       </p:ext>
     </p:extLst>
   </p:cSld>
@@ -3323,7 +3323,7 @@
       </p:grpSpPr>
       <p:pic>
         <p:nvPicPr>
-          <p:cNvPr id="861186" name="Picture 2" descr="840"/>
+          <p:cNvPr id="862210" name="Picture 2" descr="841"/>
           <p:cNvPicPr>
             <a:picLocks noChangeAspect="1" noChangeArrowheads="1"/>
           </p:cNvPicPr>
@@ -3375,158 +3375,11 @@
           </a:extLst>
         </p:spPr>
       </p:pic>
-      <p:pic>
-        <p:nvPicPr>
-          <p:cNvPr id="862211" name="Picture 3" descr="840-2"/>
-          <p:cNvPicPr>
-            <a:picLocks noChangeAspect="1" noChangeArrowheads="1"/>
-          </p:cNvPicPr>
-          <p:nvPr/>
-        </p:nvPicPr>
-        <p:blipFill>
-          <a:blip r:embed="rId3">
-            <a:extLst>
-              <a:ext uri="{28A0092B-C50C-407E-A947-70E740481C1C}">
-                <a14:useLocalDpi xmlns:a14="http://schemas.microsoft.com/office/drawing/2010/main" val="0"/>
-              </a:ext>
-            </a:extLst>
-          </a:blip>
-          <a:srcRect/>
-          <a:stretch>
-            <a:fillRect/>
-          </a:stretch>
-        </p:blipFill>
-        <p:spPr bwMode="auto">
-          <a:xfrm>
-            <a:off x="1524000" y="0"/>
-            <a:ext cx="9144000" cy="6858000"/>
-          </a:xfrm>
-          <a:prstGeom prst="rect">
-            <a:avLst/>
-          </a:prstGeom>
-          <a:noFill/>
-          <a:ln>
-            <a:noFill/>
-          </a:ln>
-          <a:effectLst/>
-          <a:extLst>
-            <a:ext uri="{909E8E84-426E-40DD-AFC4-6F175D3DCCD1}">
-              <a14:hiddenFill xmlns:a14="http://schemas.microsoft.com/office/drawing/2010/main">
-                <a:solidFill>
-                  <a:srgbClr val="FFFFFF"/>
-                </a:solidFill>
-              </a14:hiddenFill>
-            </a:ext>
-            <a:ext uri="{91240B29-F687-4F45-9708-019B960494DF}">
-              <a14:hiddenLine xmlns:a14="http://schemas.microsoft.com/office/drawing/2010/main" w="9525">
-                <a:solidFill>
-                  <a:srgbClr val="000000"/>
-                </a:solidFill>
-                <a:miter lim="800000"/>
-                <a:headEnd/>
-                <a:tailEnd/>
-              </a14:hiddenLine>
-            </a:ext>
-            <a:ext uri="{AF507438-7753-43E0-B8FC-AC1667EBCBE1}">
-              <a14:hiddenEffects xmlns:a14="http://schemas.microsoft.com/office/drawing/2010/main">
-                <a:effectLst>
-                  <a:outerShdw dist="35921" dir="2700000" algn="ctr" rotWithShape="0">
-                    <a:srgbClr val="808080"/>
-                  </a:outerShdw>
-                </a:effectLst>
-              </a14:hiddenEffects>
-            </a:ext>
-          </a:extLst>
-        </p:spPr>
-      </p:pic>
     </p:spTree>
   </p:cSld>
   <p:clrMapOvr>
     <a:masterClrMapping/>
   </p:clrMapOvr>
-  <p:timing>
-    <p:tnLst>
-      <p:par>
-        <p:cTn id="1" dur="indefinite" restart="never" nodeType="tmRoot">
-          <p:childTnLst>
-            <p:seq concurrent="1" nextAc="seek">
-              <p:cTn id="2" dur="indefinite" nodeType="mainSeq">
-                <p:childTnLst>
-                  <p:par>
-                    <p:cTn id="3" fill="hold" nodeType="clickPar">
-                      <p:stCondLst>
-                        <p:cond delay="indefinite"/>
-                      </p:stCondLst>
-                      <p:childTnLst>
-                        <p:par>
-                          <p:cTn id="4" fill="hold" nodeType="withGroup">
-                            <p:stCondLst>
-                              <p:cond delay="0"/>
-                            </p:stCondLst>
-                            <p:childTnLst>
-                              <p:par>
-                                <p:cTn id="5" presetID="10" presetClass="entr" presetSubtype="0" fill="hold" nodeType="clickEffect">
-                                  <p:stCondLst>
-                                    <p:cond delay="0"/>
-                                  </p:stCondLst>
-                                  <p:childTnLst>
-                                    <p:set>
-                                      <p:cBhvr>
-                                        <p:cTn id="6" dur="1" fill="hold">
-                                          <p:stCondLst>
-                                            <p:cond delay="0"/>
-                                          </p:stCondLst>
-                                        </p:cTn>
-                                        <p:tgtEl>
-                                          <p:spTgt spid="862211"/>
-                                        </p:tgtEl>
-                                        <p:attrNameLst>
-                                          <p:attrName>style.visibility</p:attrName>
-                                        </p:attrNameLst>
-                                      </p:cBhvr>
-                                      <p:to>
-                                        <p:strVal val="visible"/>
-                                      </p:to>
-                                    </p:set>
-                                    <p:animEffect transition="in" filter="fade">
-                                      <p:cBhvr>
-                                        <p:cTn id="7" dur="500"/>
-                                        <p:tgtEl>
-                                          <p:spTgt spid="862211"/>
-                                        </p:tgtEl>
-                                      </p:cBhvr>
-                                    </p:animEffect>
-                                  </p:childTnLst>
-                                </p:cTn>
-                              </p:par>
-                            </p:childTnLst>
-                          </p:cTn>
-                        </p:par>
-                      </p:childTnLst>
-                    </p:cTn>
-                  </p:par>
-                </p:childTnLst>
-              </p:cTn>
-              <p:prevCondLst>
-                <p:cond evt="onPrev" delay="0">
-                  <p:tgtEl>
-                    <p:sldTgt/>
-                  </p:tgtEl>
-                </p:cond>
-              </p:prevCondLst>
-              <p:nextCondLst>
-                <p:cond evt="onNext" delay="0">
-                  <p:tgtEl>
-                    <p:sldTgt/>
-                  </p:tgtEl>
-                </p:cond>
-              </p:nextCondLst>
-            </p:seq>
-          </p:childTnLst>
-        </p:cTn>
-      </p:par>
-    </p:tnLst>
-  </p:timing>
 </p:sld>
 </file>
 
